--- a/AML_Presentatie_Groep_10.pptx
+++ b/AML_Presentatie_Groep_10.pptx
@@ -270,7 +270,7 @@
           <a:p>
             <a:fld id="{86680C0C-85DF-417F-8238-DB0D15743621}" type="datetimeFigureOut">
               <a:rPr lang="en-GB" smtClean="0"/>
-              <a:t>17/06/2020</a:t>
+              <a:t>18/06/2020</a:t>
             </a:fld>
             <a:endParaRPr lang="en-GB"/>
           </a:p>
@@ -1160,7 +1160,7 @@
           <a:p>
             <a:fld id="{5A24147F-ED97-47AF-A1B3-C82A179CF7F3}" type="datetime1">
               <a:rPr lang="nl-NL" smtClean="0"/>
-              <a:t>17-6-2020</a:t>
+              <a:t>18-6-2020</a:t>
             </a:fld>
             <a:endParaRPr lang="en-GB"/>
           </a:p>
@@ -2118,7 +2118,7 @@
           <a:p>
             <a:fld id="{25470885-0B31-4E06-AE71-7E16801F2838}" type="datetime1">
               <a:rPr lang="nl-BE" noProof="0" smtClean="0"/>
-              <a:t>17/06/2020</a:t>
+              <a:t>18/06/2020</a:t>
             </a:fld>
             <a:endParaRPr lang="nl-BE" noProof="0" dirty="0"/>
           </a:p>
@@ -2236,7 +2236,7 @@
           <a:p>
             <a:fld id="{E7410F60-8C93-4C37-B51A-4DDAE36F7E9B}" type="datetime1">
               <a:rPr lang="nl-BE" noProof="0" smtClean="0"/>
-              <a:t>17/06/2020</a:t>
+              <a:t>18/06/2020</a:t>
             </a:fld>
             <a:endParaRPr lang="nl-BE" noProof="0" dirty="0"/>
           </a:p>
@@ -2515,7 +2515,7 @@
           <a:p>
             <a:fld id="{656594B6-17DF-4759-A7A5-128AFEA77F2C}" type="datetime1">
               <a:rPr lang="nl-BE" noProof="0" smtClean="0"/>
-              <a:t>17/06/2020</a:t>
+              <a:t>18/06/2020</a:t>
             </a:fld>
             <a:endParaRPr lang="nl-BE" noProof="0" dirty="0"/>
           </a:p>
@@ -2656,7 +2656,7 @@
           <a:p>
             <a:fld id="{66A81384-1200-4D40-BEF0-3A17A1F906F4}" type="datetime1">
               <a:rPr lang="nl-NL" noProof="0" smtClean="0"/>
-              <a:t>17-6-2020</a:t>
+              <a:t>18-6-2020</a:t>
             </a:fld>
             <a:endParaRPr lang="nl-NL" noProof="0" dirty="0"/>
           </a:p>
@@ -3166,7 +3166,7 @@
           <a:p>
             <a:fld id="{66A81384-1200-4D40-BEF0-3A17A1F906F4}" type="datetime1">
               <a:rPr lang="nl-NL" noProof="0" smtClean="0"/>
-              <a:t>17-6-2020</a:t>
+              <a:t>18-6-2020</a:t>
             </a:fld>
             <a:endParaRPr lang="nl-NL" noProof="0" dirty="0"/>
           </a:p>
@@ -3452,7 +3452,7 @@
           <a:p>
             <a:fld id="{FA870D1A-A3AB-4E9F-892E-C45B5A80FDBF}" type="datetime1">
               <a:rPr lang="nl-BE" noProof="0" smtClean="0"/>
-              <a:t>17/06/2020</a:t>
+              <a:t>18/06/2020</a:t>
             </a:fld>
             <a:endParaRPr lang="nl-BE" noProof="0" dirty="0"/>
           </a:p>
@@ -7680,11 +7680,11 @@
             </a:r>
             <a:r>
               <a:rPr lang="en-GB" dirty="0"/>
-              <a:t> product </a:t>
+              <a:t> </a:t>
             </a:r>
             <a:r>
               <a:rPr lang="en-GB" dirty="0" err="1"/>
-              <a:t>categorieën</a:t>
+              <a:t>productcategorieën</a:t>
             </a:r>
             <a:r>
               <a:rPr lang="en-GB" dirty="0"/>
@@ -8156,8 +8156,8 @@
         </p:blipFill>
         <p:spPr>
           <a:xfrm>
-            <a:off x="3516381" y="2506286"/>
-            <a:ext cx="10305912" cy="7472714"/>
+            <a:off x="3793942" y="2728800"/>
+            <a:ext cx="9750789" cy="7070200"/>
           </a:xfrm>
           <a:prstGeom prst="rect">
             <a:avLst/>
@@ -9655,8 +9655,12 @@
           </a:p>
           <a:p>
             <a:r>
-              <a:rPr lang="nl-BE" dirty="0"/>
-              <a:t>Overfiting of underfitting?</a:t>
+              <a:rPr lang="nl-BE" dirty="0" err="1"/>
+              <a:t>Overfitting</a:t>
+            </a:r>
+            <a:r>
+              <a:rPr lang="nl-BE" dirty="0"/>
+              <a:t> of underfitting?</a:t>
             </a:r>
           </a:p>
           <a:p>
@@ -12396,6 +12400,12 @@
 </file>
 
 <file path=customXml/item1.xml><?xml version="1.0" encoding="utf-8"?>
+<p:properties xmlns:p="http://schemas.microsoft.com/office/2006/metadata/properties" xmlns:xsi="http://www.w3.org/2001/XMLSchema-instance" xmlns:pc="http://schemas.microsoft.com/office/infopath/2007/PartnerControls">
+  <documentManagement/>
+</p:properties>
+</file>
+
+<file path=customXml/item2.xml><?xml version="1.0" encoding="utf-8"?>
 <ct:contentTypeSchema xmlns:ct="http://schemas.microsoft.com/office/2006/metadata/contentType" xmlns:ma="http://schemas.microsoft.com/office/2006/metadata/properties/metaAttributes" ct:_="" ma:_="" ma:contentTypeName="Document" ma:contentTypeID="0x0101006485FDDAC6B575409C31AC848C388A85" ma:contentTypeVersion="" ma:contentTypeDescription="Een nieuw document maken." ma:contentTypeScope="" ma:versionID="af1196157f6ce1f05c24b0f61ce6f714">
   <xsd:schema xmlns:xsd="http://www.w3.org/2001/XMLSchema" xmlns:xs="http://www.w3.org/2001/XMLSchema" xmlns:p="http://schemas.microsoft.com/office/2006/metadata/properties" targetNamespace="http://schemas.microsoft.com/office/2006/metadata/properties" ma:root="true" ma:fieldsID="ded2a6fdfcb71de048e140027f1bc31d">
     <xsd:element name="properties">
@@ -12509,12 +12519,6 @@
 </ct:contentTypeSchema>
 </file>
 
-<file path=customXml/item2.xml><?xml version="1.0" encoding="utf-8"?>
-<p:properties xmlns:p="http://schemas.microsoft.com/office/2006/metadata/properties" xmlns:xsi="http://www.w3.org/2001/XMLSchema-instance" xmlns:pc="http://schemas.microsoft.com/office/infopath/2007/PartnerControls">
-  <documentManagement/>
-</p:properties>
-</file>
-
 <file path=customXml/item3.xml><?xml version="1.0" encoding="utf-8"?>
 <?mso-contentType ?>
 <FormTemplates xmlns="http://schemas.microsoft.com/sharepoint/v3/contenttype/forms">
@@ -12525,6 +12529,21 @@
 </file>
 
 <file path=customXml/itemProps1.xml><?xml version="1.0" encoding="utf-8"?>
+<ds:datastoreItem xmlns:ds="http://schemas.openxmlformats.org/officeDocument/2006/customXml" ds:itemID="{04AF6CB7-2A18-4264-AB21-4901BBA09C44}">
+  <ds:schemaRefs>
+    <ds:schemaRef ds:uri="http://purl.org/dc/dcmitype/"/>
+    <ds:schemaRef ds:uri="http://schemas.microsoft.com/office/infopath/2007/PartnerControls"/>
+    <ds:schemaRef ds:uri="http://purl.org/dc/elements/1.1/"/>
+    <ds:schemaRef ds:uri="http://schemas.microsoft.com/office/2006/metadata/properties"/>
+    <ds:schemaRef ds:uri="http://schemas.microsoft.com/office/2006/documentManagement/types"/>
+    <ds:schemaRef ds:uri="http://purl.org/dc/terms/"/>
+    <ds:schemaRef ds:uri="http://schemas.openxmlformats.org/package/2006/metadata/core-properties"/>
+    <ds:schemaRef ds:uri="http://www.w3.org/XML/1998/namespace"/>
+  </ds:schemaRefs>
+</ds:datastoreItem>
+</file>
+
+<file path=customXml/itemProps2.xml><?xml version="1.0" encoding="utf-8"?>
 <ds:datastoreItem xmlns:ds="http://schemas.openxmlformats.org/officeDocument/2006/customXml" ds:itemID="{61CD111F-BAB6-4F2E-9651-10398B145E62}">
   <ds:schemaRefs>
     <ds:schemaRef ds:uri="http://schemas.microsoft.com/office/2006/metadata/contentType"/>
@@ -12540,21 +12559,6 @@
 </ds:datastoreItem>
 </file>
 
-<file path=customXml/itemProps2.xml><?xml version="1.0" encoding="utf-8"?>
-<ds:datastoreItem xmlns:ds="http://schemas.openxmlformats.org/officeDocument/2006/customXml" ds:itemID="{04AF6CB7-2A18-4264-AB21-4901BBA09C44}">
-  <ds:schemaRefs>
-    <ds:schemaRef ds:uri="http://purl.org/dc/dcmitype/"/>
-    <ds:schemaRef ds:uri="http://schemas.microsoft.com/office/infopath/2007/PartnerControls"/>
-    <ds:schemaRef ds:uri="http://purl.org/dc/elements/1.1/"/>
-    <ds:schemaRef ds:uri="http://schemas.microsoft.com/office/2006/metadata/properties"/>
-    <ds:schemaRef ds:uri="http://schemas.microsoft.com/office/2006/documentManagement/types"/>
-    <ds:schemaRef ds:uri="http://purl.org/dc/terms/"/>
-    <ds:schemaRef ds:uri="http://schemas.openxmlformats.org/package/2006/metadata/core-properties"/>
-    <ds:schemaRef ds:uri="http://www.w3.org/XML/1998/namespace"/>
-  </ds:schemaRefs>
-</ds:datastoreItem>
-</file>
-
 <file path=customXml/itemProps3.xml><?xml version="1.0" encoding="utf-8"?>
 <ds:datastoreItem xmlns:ds="http://schemas.openxmlformats.org/officeDocument/2006/customXml" ds:itemID="{71D78EDA-9406-49B8-AD09-1141E1AE700B}">
   <ds:schemaRefs>
